--- a/DUNGEON MASTER 2000.pptx
+++ b/DUNGEON MASTER 2000.pptx
@@ -255,7 +255,7 @@
   </p:defaultTextStyle>
   <p:extLst>
     <p:ext uri="http://customooxmlschemas.google.com/">
-      <go:slidesCustomData xmlns:go="http://customooxmlschemas.google.com/" r:id="rId13" roundtripDataSignature="AMtx7mihvsQ8A8c4AsWVRnfEsRXrZB6Fbg=="/>
+      <go:slidesCustomData xmlns:go="http://customooxmlschemas.google.com/" r:id="rId13" roundtripDataSignature="AMtx7mjiWfV9VGI+Jir6kcCfBxbmCin0HQ=="/>
     </p:ext>
   </p:extLst>
 </p:presentation>
@@ -17310,6 +17310,27 @@
             </a:r>
             <a:endParaRPr sz="4800"/>
           </a:p>
+          <a:p>
+            <a:pPr indent="0" lvl="0" marL="0" rtl="0" algn="ctr">
+              <a:spcBef>
+                <a:spcPts val="0"/>
+              </a:spcBef>
+              <a:spcAft>
+                <a:spcPts val="0"/>
+              </a:spcAft>
+              <a:buClr>
+                <a:schemeClr val="lt1"/>
+              </a:buClr>
+              <a:buSzPts val="4800"/>
+              <a:buFont typeface="Calibri"/>
+              <a:buNone/>
+            </a:pPr>
+            <a:r>
+              <a:rPr lang="de-AT" sz="4800"/>
+              <a:t>AND MAY YOUR DICE BE BLESSED!</a:t>
+            </a:r>
+            <a:endParaRPr sz="4800"/>
+          </a:p>
         </p:txBody>
       </p:sp>
       <p:sp>
@@ -17322,8 +17343,8 @@
         </p:nvSpPr>
         <p:spPr>
           <a:xfrm>
-            <a:off x="5602298" y="5034226"/>
-            <a:ext cx="4797745" cy="860400"/>
+            <a:off x="5602298" y="5905776"/>
+            <a:ext cx="4797600" cy="860400"/>
           </a:xfrm>
           <a:prstGeom prst="rect">
             <a:avLst/>
@@ -17367,13 +17388,13 @@
           <a:blip r:embed="rId3">
             <a:alphaModFix/>
           </a:blip>
-          <a:srcRect b="0" l="0" r="0" t="0"/>
+          <a:srcRect b="9304" l="20804" r="20293" t="11868"/>
           <a:stretch/>
         </p:blipFill>
         <p:spPr>
           <a:xfrm>
-            <a:off x="0" y="0"/>
-            <a:ext cx="5162861" cy="6858000"/>
+            <a:off x="6944982" y="3560267"/>
+            <a:ext cx="2260879" cy="2269313"/>
           </a:xfrm>
           <a:prstGeom prst="rect">
             <a:avLst/>
@@ -17390,17 +17411,18 @@
           <p:cNvPicPr preferRelativeResize="0"/>
           <p:nvPr/>
         </p:nvPicPr>
-        <p:blipFill rotWithShape="1">
+        <p:blipFill>
           <a:blip r:embed="rId4">
             <a:alphaModFix/>
           </a:blip>
-          <a:srcRect b="9304" l="20804" r="20293" t="11868"/>
-          <a:stretch/>
+          <a:stretch>
+            <a:fillRect/>
+          </a:stretch>
         </p:blipFill>
         <p:spPr>
           <a:xfrm>
-            <a:off x="6973557" y="2294342"/>
-            <a:ext cx="2260878" cy="2269315"/>
+            <a:off x="1" y="0"/>
+            <a:ext cx="3859096" cy="6857997"/>
           </a:xfrm>
           <a:prstGeom prst="rect">
             <a:avLst/>
